--- a/network/vxlan/img/vxlan.pptx
+++ b/network/vxlan/img/vxlan.pptx
@@ -6,6 +6,7 @@
   </p:sldMasterIdLst>
   <p:sldIdLst>
     <p:sldId id="256" r:id="rId2"/>
+    <p:sldId id="257" r:id="rId3"/>
   </p:sldIdLst>
   <p:sldSz cx="12192000" cy="6858000"/>
   <p:notesSz cx="6858000" cy="9144000"/>
@@ -104,6 +105,11 @@
       </a:defRPr>
     </a:lvl9pPr>
   </p:defaultTextStyle>
+  <p:extLst>
+    <p:ext uri="{EFAFB233-063F-42B5-8137-9DF3F51BA10A}">
+      <p15:sldGuideLst xmlns:p15="http://schemas.microsoft.com/office/powerpoint/2012/main"/>
+    </p:ext>
+  </p:extLst>
 </p:presentation>
 </file>
 
@@ -3868,6 +3874,803 @@
 </p:sld>
 </file>
 
+<file path=ppt/slides/slide2.xml><?xml version="1.0" encoding="utf-8"?>
+<p:sld xmlns:a="http://schemas.openxmlformats.org/drawingml/2006/main" xmlns:r="http://schemas.openxmlformats.org/officeDocument/2006/relationships" xmlns:p="http://schemas.openxmlformats.org/presentationml/2006/main">
+  <p:cSld>
+    <p:spTree>
+      <p:nvGrpSpPr>
+        <p:cNvPr id="1" name=""/>
+        <p:cNvGrpSpPr/>
+        <p:nvPr/>
+      </p:nvGrpSpPr>
+      <p:grpSpPr>
+        <a:xfrm>
+          <a:off x="0" y="0"/>
+          <a:ext cx="0" cy="0"/>
+          <a:chOff x="0" y="0"/>
+          <a:chExt cx="0" cy="0"/>
+        </a:xfrm>
+      </p:grpSpPr>
+      <p:graphicFrame>
+        <p:nvGraphicFramePr>
+          <p:cNvPr id="4" name="表格 3">
+            <a:extLst>
+              <a:ext uri="{FF2B5EF4-FFF2-40B4-BE49-F238E27FC236}">
+                <a16:creationId xmlns:a16="http://schemas.microsoft.com/office/drawing/2014/main" id="{6B1B7C19-E53F-ED61-2C37-ED20025B1EBF}"/>
+              </a:ext>
+            </a:extLst>
+          </p:cNvPr>
+          <p:cNvGraphicFramePr>
+            <a:graphicFrameLocks noGrp="1"/>
+          </p:cNvGraphicFramePr>
+          <p:nvPr>
+            <p:extLst>
+              <p:ext uri="{D42A27DB-BD31-4B8C-83A1-F6EECF244321}">
+                <p14:modId xmlns:p14="http://schemas.microsoft.com/office/powerpoint/2010/main" val="2267397351"/>
+              </p:ext>
+            </p:extLst>
+          </p:nvPr>
+        </p:nvGraphicFramePr>
+        <p:xfrm>
+          <a:off x="1772745" y="3122049"/>
+          <a:ext cx="8646510" cy="1528301"/>
+        </p:xfrm>
+        <a:graphic>
+          <a:graphicData uri="http://schemas.openxmlformats.org/drawingml/2006/table">
+            <a:tbl>
+              <a:tblPr firstRow="1" bandRow="1">
+                <a:tableStyleId>{5C22544A-7EE6-4342-B048-85BDC9FD1C3A}</a:tableStyleId>
+              </a:tblPr>
+              <a:tblGrid>
+                <a:gridCol w="1415392">
+                  <a:extLst>
+                    <a:ext uri="{9D8B030D-6E8A-4147-A177-3AD203B41FA5}">
+                      <a16:colId xmlns:a16="http://schemas.microsoft.com/office/drawing/2014/main" val="4287070427"/>
+                    </a:ext>
+                  </a:extLst>
+                </a:gridCol>
+                <a:gridCol w="935421">
+                  <a:extLst>
+                    <a:ext uri="{9D8B030D-6E8A-4147-A177-3AD203B41FA5}">
+                      <a16:colId xmlns:a16="http://schemas.microsoft.com/office/drawing/2014/main" val="4263592900"/>
+                    </a:ext>
+                  </a:extLst>
+                </a:gridCol>
+                <a:gridCol w="1098331">
+                  <a:extLst>
+                    <a:ext uri="{9D8B030D-6E8A-4147-A177-3AD203B41FA5}">
+                      <a16:colId xmlns:a16="http://schemas.microsoft.com/office/drawing/2014/main" val="1320919345"/>
+                    </a:ext>
+                  </a:extLst>
+                </a:gridCol>
+                <a:gridCol w="1422400">
+                  <a:extLst>
+                    <a:ext uri="{9D8B030D-6E8A-4147-A177-3AD203B41FA5}">
+                      <a16:colId xmlns:a16="http://schemas.microsoft.com/office/drawing/2014/main" val="515075664"/>
+                    </a:ext>
+                  </a:extLst>
+                </a:gridCol>
+                <a:gridCol w="2333881">
+                  <a:extLst>
+                    <a:ext uri="{9D8B030D-6E8A-4147-A177-3AD203B41FA5}">
+                      <a16:colId xmlns:a16="http://schemas.microsoft.com/office/drawing/2014/main" val="1131177977"/>
+                    </a:ext>
+                  </a:extLst>
+                </a:gridCol>
+                <a:gridCol w="1441085">
+                  <a:extLst>
+                    <a:ext uri="{9D8B030D-6E8A-4147-A177-3AD203B41FA5}">
+                      <a16:colId xmlns:a16="http://schemas.microsoft.com/office/drawing/2014/main" val="608497934"/>
+                    </a:ext>
+                  </a:extLst>
+                </a:gridCol>
+              </a:tblGrid>
+              <a:tr h="374570">
+                <a:tc>
+                  <a:txBody>
+                    <a:bodyPr/>
+                    <a:lstStyle/>
+                    <a:p>
+                      <a:pPr algn="ctr"/>
+                      <a:r>
+                        <a:rPr lang="zh-CN" altLang="en-US" dirty="0"/>
+                        <a:t>以太网包头</a:t>
+                      </a:r>
+                    </a:p>
+                  </a:txBody>
+                  <a:tcPr anchor="ctr"/>
+                </a:tc>
+                <a:tc>
+                  <a:txBody>
+                    <a:bodyPr/>
+                    <a:lstStyle/>
+                    <a:p>
+                      <a:pPr algn="ctr"/>
+                      <a:r>
+                        <a:rPr lang="en-US" altLang="zh-CN" dirty="0"/>
+                        <a:t>IP</a:t>
+                      </a:r>
+                      <a:r>
+                        <a:rPr lang="zh-CN" altLang="en-US" dirty="0"/>
+                        <a:t>包头</a:t>
+                      </a:r>
+                    </a:p>
+                  </a:txBody>
+                  <a:tcPr anchor="ctr"/>
+                </a:tc>
+                <a:tc>
+                  <a:txBody>
+                    <a:bodyPr/>
+                    <a:lstStyle/>
+                    <a:p>
+                      <a:pPr algn="ctr"/>
+                      <a:r>
+                        <a:rPr lang="en-US" altLang="zh-CN" dirty="0"/>
+                        <a:t>UDP</a:t>
+                      </a:r>
+                      <a:r>
+                        <a:rPr lang="zh-CN" altLang="en-US" dirty="0"/>
+                        <a:t>包头</a:t>
+                      </a:r>
+                    </a:p>
+                  </a:txBody>
+                  <a:tcPr anchor="ctr"/>
+                </a:tc>
+                <a:tc>
+                  <a:txBody>
+                    <a:bodyPr/>
+                    <a:lstStyle/>
+                    <a:p>
+                      <a:pPr algn="ctr"/>
+                      <a:r>
+                        <a:rPr lang="en-US" altLang="zh-CN" dirty="0"/>
+                        <a:t>VXLAN</a:t>
+                      </a:r>
+                      <a:r>
+                        <a:rPr lang="zh-CN" altLang="en-US" dirty="0"/>
+                        <a:t>包头</a:t>
+                      </a:r>
+                    </a:p>
+                  </a:txBody>
+                  <a:tcPr anchor="ctr"/>
+                </a:tc>
+                <a:tc>
+                  <a:txBody>
+                    <a:bodyPr/>
+                    <a:lstStyle/>
+                    <a:p>
+                      <a:pPr algn="ctr"/>
+                      <a:r>
+                        <a:rPr lang="zh-CN" altLang="en-US" dirty="0">
+                          <a:solidFill>
+                            <a:srgbClr val="FF0000"/>
+                          </a:solidFill>
+                        </a:rPr>
+                        <a:t>原始</a:t>
+                      </a:r>
+                      <a:r>
+                        <a:rPr lang="en-US" altLang="zh-CN" dirty="0">
+                          <a:solidFill>
+                            <a:srgbClr val="FF0000"/>
+                          </a:solidFill>
+                        </a:rPr>
+                        <a:t>2</a:t>
+                      </a:r>
+                      <a:r>
+                        <a:rPr lang="zh-CN" altLang="en-US" dirty="0">
+                          <a:solidFill>
+                            <a:srgbClr val="FF0000"/>
+                          </a:solidFill>
+                        </a:rPr>
+                        <a:t>层数据包</a:t>
+                      </a:r>
+                    </a:p>
+                  </a:txBody>
+                  <a:tcPr anchor="ctr">
+                    <a:solidFill>
+                      <a:schemeClr val="accent2">
+                        <a:lumMod val="40000"/>
+                        <a:lumOff val="60000"/>
+                      </a:schemeClr>
+                    </a:solidFill>
+                  </a:tcPr>
+                </a:tc>
+                <a:tc>
+                  <a:txBody>
+                    <a:bodyPr/>
+                    <a:lstStyle/>
+                    <a:p>
+                      <a:pPr algn="ctr"/>
+                      <a:r>
+                        <a:rPr lang="en-US" altLang="zh-CN" dirty="0"/>
+                        <a:t>FCS</a:t>
+                      </a:r>
+                      <a:endParaRPr lang="zh-CN" altLang="en-US" dirty="0"/>
+                    </a:p>
+                  </a:txBody>
+                  <a:tcPr anchor="ctr"/>
+                </a:tc>
+                <a:extLst>
+                  <a:ext uri="{0D108BD9-81ED-4DB2-BD59-A6C34878D82A}">
+                    <a16:rowId xmlns:a16="http://schemas.microsoft.com/office/drawing/2014/main" val="3228127157"/>
+                  </a:ext>
+                </a:extLst>
+              </a:tr>
+              <a:tr h="543053">
+                <a:tc>
+                  <a:txBody>
+                    <a:bodyPr/>
+                    <a:lstStyle/>
+                    <a:p>
+                      <a:pPr algn="ctr"/>
+                      <a:r>
+                        <a:rPr lang="en-US" altLang="zh-CN" dirty="0"/>
+                        <a:t>14</a:t>
+                      </a:r>
+                      <a:r>
+                        <a:rPr lang="zh-CN" altLang="en-US" dirty="0"/>
+                        <a:t>字节</a:t>
+                      </a:r>
+                    </a:p>
+                  </a:txBody>
+                  <a:tcPr anchor="ctr"/>
+                </a:tc>
+                <a:tc>
+                  <a:txBody>
+                    <a:bodyPr/>
+                    <a:lstStyle/>
+                    <a:p>
+                      <a:pPr algn="ctr"/>
+                      <a:r>
+                        <a:rPr lang="en-US" altLang="zh-CN" dirty="0"/>
+                        <a:t>20</a:t>
+                      </a:r>
+                      <a:r>
+                        <a:rPr lang="zh-CN" altLang="en-US" dirty="0"/>
+                        <a:t>字节</a:t>
+                      </a:r>
+                    </a:p>
+                  </a:txBody>
+                  <a:tcPr anchor="ctr"/>
+                </a:tc>
+                <a:tc>
+                  <a:txBody>
+                    <a:bodyPr/>
+                    <a:lstStyle/>
+                    <a:p>
+                      <a:pPr algn="ctr"/>
+                      <a:r>
+                        <a:rPr lang="en-US" altLang="zh-CN" dirty="0"/>
+                        <a:t>8</a:t>
+                      </a:r>
+                      <a:r>
+                        <a:rPr lang="zh-CN" altLang="en-US" dirty="0"/>
+                        <a:t>字节</a:t>
+                      </a:r>
+                    </a:p>
+                  </a:txBody>
+                  <a:tcPr anchor="ctr"/>
+                </a:tc>
+                <a:tc>
+                  <a:txBody>
+                    <a:bodyPr/>
+                    <a:lstStyle/>
+                    <a:p>
+                      <a:pPr algn="ctr"/>
+                      <a:r>
+                        <a:rPr lang="en-US" altLang="zh-CN" dirty="0"/>
+                        <a:t>8</a:t>
+                      </a:r>
+                      <a:r>
+                        <a:rPr lang="zh-CN" altLang="en-US" dirty="0"/>
+                        <a:t>字节</a:t>
+                      </a:r>
+                    </a:p>
+                  </a:txBody>
+                  <a:tcPr anchor="ctr"/>
+                </a:tc>
+                <a:tc>
+                  <a:txBody>
+                    <a:bodyPr/>
+                    <a:lstStyle/>
+                    <a:p>
+                      <a:pPr algn="ctr"/>
+                      <a:r>
+                        <a:rPr lang="en-US" altLang="zh-CN" dirty="0"/>
+                        <a:t>60-1514</a:t>
+                      </a:r>
+                      <a:r>
+                        <a:rPr lang="zh-CN" altLang="en-US" dirty="0"/>
+                        <a:t>字节</a:t>
+                      </a:r>
+                    </a:p>
+                  </a:txBody>
+                  <a:tcPr anchor="ctr"/>
+                </a:tc>
+                <a:tc>
+                  <a:txBody>
+                    <a:bodyPr/>
+                    <a:lstStyle/>
+                    <a:p>
+                      <a:pPr algn="ctr"/>
+                      <a:r>
+                        <a:rPr lang="en-US" altLang="zh-CN" dirty="0"/>
+                        <a:t>2</a:t>
+                      </a:r>
+                      <a:r>
+                        <a:rPr lang="zh-CN" altLang="en-US" dirty="0"/>
+                        <a:t>字节</a:t>
+                      </a:r>
+                    </a:p>
+                  </a:txBody>
+                  <a:tcPr anchor="ctr"/>
+                </a:tc>
+                <a:extLst>
+                  <a:ext uri="{0D108BD9-81ED-4DB2-BD59-A6C34878D82A}">
+                    <a16:rowId xmlns:a16="http://schemas.microsoft.com/office/drawing/2014/main" val="723157379"/>
+                  </a:ext>
+                </a:extLst>
+              </a:tr>
+              <a:tr h="610678">
+                <a:tc gridSpan="4">
+                  <a:txBody>
+                    <a:bodyPr/>
+                    <a:lstStyle/>
+                    <a:p>
+                      <a:pPr algn="ctr"/>
+                      <a:r>
+                        <a:rPr lang="en-US" altLang="zh-CN" dirty="0"/>
+                        <a:t>50</a:t>
+                      </a:r>
+                      <a:r>
+                        <a:rPr lang="zh-CN" altLang="en-US" dirty="0"/>
+                        <a:t>字节</a:t>
+                      </a:r>
+                    </a:p>
+                  </a:txBody>
+                  <a:tcPr anchor="ctr"/>
+                </a:tc>
+                <a:tc hMerge="1">
+                  <a:txBody>
+                    <a:bodyPr/>
+                    <a:lstStyle/>
+                    <a:p>
+                      <a:endParaRPr lang="zh-CN" altLang="en-US" dirty="0"/>
+                    </a:p>
+                  </a:txBody>
+                  <a:tcPr/>
+                </a:tc>
+                <a:tc hMerge="1">
+                  <a:txBody>
+                    <a:bodyPr/>
+                    <a:lstStyle/>
+                    <a:p>
+                      <a:endParaRPr lang="zh-CN" altLang="en-US" dirty="0"/>
+                    </a:p>
+                  </a:txBody>
+                  <a:tcPr/>
+                </a:tc>
+                <a:tc hMerge="1">
+                  <a:txBody>
+                    <a:bodyPr/>
+                    <a:lstStyle/>
+                    <a:p>
+                      <a:endParaRPr lang="zh-CN" altLang="en-US" dirty="0"/>
+                    </a:p>
+                  </a:txBody>
+                  <a:tcPr/>
+                </a:tc>
+                <a:tc>
+                  <a:txBody>
+                    <a:bodyPr/>
+                    <a:lstStyle/>
+                    <a:p>
+                      <a:pPr algn="ctr"/>
+                      <a:endParaRPr lang="zh-CN" altLang="en-US" dirty="0"/>
+                    </a:p>
+                  </a:txBody>
+                  <a:tcPr anchor="ctr"/>
+                </a:tc>
+                <a:tc>
+                  <a:txBody>
+                    <a:bodyPr/>
+                    <a:lstStyle/>
+                    <a:p>
+                      <a:pPr algn="ctr"/>
+                      <a:endParaRPr lang="zh-CN" altLang="en-US" dirty="0"/>
+                    </a:p>
+                  </a:txBody>
+                  <a:tcPr anchor="ctr"/>
+                </a:tc>
+                <a:extLst>
+                  <a:ext uri="{0D108BD9-81ED-4DB2-BD59-A6C34878D82A}">
+                    <a16:rowId xmlns:a16="http://schemas.microsoft.com/office/drawing/2014/main" val="2066161032"/>
+                  </a:ext>
+                </a:extLst>
+              </a:tr>
+            </a:tbl>
+          </a:graphicData>
+        </a:graphic>
+      </p:graphicFrame>
+      <p:graphicFrame>
+        <p:nvGraphicFramePr>
+          <p:cNvPr id="5" name="表格 4">
+            <a:extLst>
+              <a:ext uri="{FF2B5EF4-FFF2-40B4-BE49-F238E27FC236}">
+                <a16:creationId xmlns:a16="http://schemas.microsoft.com/office/drawing/2014/main" id="{0A9C4C95-A214-6570-43BB-65A2F239A1EE}"/>
+              </a:ext>
+            </a:extLst>
+          </p:cNvPr>
+          <p:cNvGraphicFramePr>
+            <a:graphicFrameLocks noGrp="1"/>
+          </p:cNvGraphicFramePr>
+          <p:nvPr>
+            <p:extLst>
+              <p:ext uri="{D42A27DB-BD31-4B8C-83A1-F6EECF244321}">
+                <p14:modId xmlns:p14="http://schemas.microsoft.com/office/powerpoint/2010/main" val="942547202"/>
+              </p:ext>
+            </p:extLst>
+          </p:nvPr>
+        </p:nvGraphicFramePr>
+        <p:xfrm>
+          <a:off x="4820745" y="315349"/>
+          <a:ext cx="6418755" cy="1284851"/>
+        </p:xfrm>
+        <a:graphic>
+          <a:graphicData uri="http://schemas.openxmlformats.org/drawingml/2006/table">
+            <a:tbl>
+              <a:tblPr firstRow="1" bandRow="1">
+                <a:tableStyleId>{5C22544A-7EE6-4342-B048-85BDC9FD1C3A}</a:tableStyleId>
+              </a:tblPr>
+              <a:tblGrid>
+                <a:gridCol w="1668955">
+                  <a:extLst>
+                    <a:ext uri="{9D8B030D-6E8A-4147-A177-3AD203B41FA5}">
+                      <a16:colId xmlns:a16="http://schemas.microsoft.com/office/drawing/2014/main" val="4263592900"/>
+                    </a:ext>
+                  </a:extLst>
+                </a:gridCol>
+                <a:gridCol w="1409700">
+                  <a:extLst>
+                    <a:ext uri="{9D8B030D-6E8A-4147-A177-3AD203B41FA5}">
+                      <a16:colId xmlns:a16="http://schemas.microsoft.com/office/drawing/2014/main" val="1320919345"/>
+                    </a:ext>
+                  </a:extLst>
+                </a:gridCol>
+                <a:gridCol w="1016000">
+                  <a:extLst>
+                    <a:ext uri="{9D8B030D-6E8A-4147-A177-3AD203B41FA5}">
+                      <a16:colId xmlns:a16="http://schemas.microsoft.com/office/drawing/2014/main" val="515075664"/>
+                    </a:ext>
+                  </a:extLst>
+                </a:gridCol>
+                <a:gridCol w="2324100">
+                  <a:extLst>
+                    <a:ext uri="{9D8B030D-6E8A-4147-A177-3AD203B41FA5}">
+                      <a16:colId xmlns:a16="http://schemas.microsoft.com/office/drawing/2014/main" val="1131177977"/>
+                    </a:ext>
+                  </a:extLst>
+                </a:gridCol>
+              </a:tblGrid>
+              <a:tr h="406390">
+                <a:tc>
+                  <a:txBody>
+                    <a:bodyPr/>
+                    <a:lstStyle/>
+                    <a:p>
+                      <a:pPr algn="ctr"/>
+                      <a:r>
+                        <a:rPr lang="zh-CN" altLang="en-US" dirty="0"/>
+                        <a:t>目的</a:t>
+                      </a:r>
+                      <a:r>
+                        <a:rPr lang="en-US" altLang="zh-CN" dirty="0"/>
+                        <a:t>MAC</a:t>
+                      </a:r>
+                      <a:r>
+                        <a:rPr lang="zh-CN" altLang="en-US" dirty="0"/>
+                        <a:t>地址</a:t>
+                      </a:r>
+                    </a:p>
+                  </a:txBody>
+                  <a:tcPr anchor="ctr"/>
+                </a:tc>
+                <a:tc>
+                  <a:txBody>
+                    <a:bodyPr/>
+                    <a:lstStyle/>
+                    <a:p>
+                      <a:pPr algn="ctr"/>
+                      <a:r>
+                        <a:rPr lang="zh-CN" altLang="en-US" dirty="0"/>
+                        <a:t>源</a:t>
+                      </a:r>
+                      <a:r>
+                        <a:rPr lang="en-US" altLang="zh-CN" dirty="0"/>
+                        <a:t>MAC</a:t>
+                      </a:r>
+                      <a:r>
+                        <a:rPr lang="zh-CN" altLang="en-US" dirty="0"/>
+                        <a:t>地址</a:t>
+                      </a:r>
+                    </a:p>
+                  </a:txBody>
+                  <a:tcPr anchor="ctr"/>
+                </a:tc>
+                <a:tc>
+                  <a:txBody>
+                    <a:bodyPr/>
+                    <a:lstStyle/>
+                    <a:p>
+                      <a:pPr algn="ctr"/>
+                      <a:r>
+                        <a:rPr lang="en-US" altLang="zh-CN" dirty="0"/>
+                        <a:t>TYPE</a:t>
+                      </a:r>
+                      <a:endParaRPr lang="zh-CN" altLang="en-US" dirty="0"/>
+                    </a:p>
+                  </a:txBody>
+                  <a:tcPr anchor="ctr"/>
+                </a:tc>
+                <a:tc>
+                  <a:txBody>
+                    <a:bodyPr/>
+                    <a:lstStyle/>
+                    <a:p>
+                      <a:pPr algn="ctr"/>
+                      <a:r>
+                        <a:rPr lang="zh-CN" altLang="en-US" sz="1800" b="1" kern="1200" dirty="0">
+                          <a:solidFill>
+                            <a:schemeClr val="lt1"/>
+                          </a:solidFill>
+                          <a:latin typeface="+mn-lt"/>
+                          <a:ea typeface="+mn-ea"/>
+                          <a:cs typeface="+mn-cs"/>
+                        </a:rPr>
+                        <a:t>数据</a:t>
+                      </a:r>
+                    </a:p>
+                  </a:txBody>
+                  <a:tcPr anchor="ctr">
+                    <a:solidFill>
+                      <a:schemeClr val="accent1"/>
+                    </a:solidFill>
+                  </a:tcPr>
+                </a:tc>
+                <a:extLst>
+                  <a:ext uri="{0D108BD9-81ED-4DB2-BD59-A6C34878D82A}">
+                    <a16:rowId xmlns:a16="http://schemas.microsoft.com/office/drawing/2014/main" val="3228127157"/>
+                  </a:ext>
+                </a:extLst>
+              </a:tr>
+              <a:tr h="413485">
+                <a:tc>
+                  <a:txBody>
+                    <a:bodyPr/>
+                    <a:lstStyle/>
+                    <a:p>
+                      <a:pPr algn="ctr"/>
+                      <a:r>
+                        <a:rPr lang="en-US" altLang="zh-CN" dirty="0"/>
+                        <a:t>6</a:t>
+                      </a:r>
+                      <a:r>
+                        <a:rPr lang="zh-CN" altLang="en-US" dirty="0"/>
+                        <a:t>字节</a:t>
+                      </a:r>
+                    </a:p>
+                  </a:txBody>
+                  <a:tcPr anchor="ctr"/>
+                </a:tc>
+                <a:tc>
+                  <a:txBody>
+                    <a:bodyPr/>
+                    <a:lstStyle/>
+                    <a:p>
+                      <a:pPr algn="ctr"/>
+                      <a:r>
+                        <a:rPr lang="en-US" altLang="zh-CN" dirty="0"/>
+                        <a:t>6</a:t>
+                      </a:r>
+                      <a:r>
+                        <a:rPr lang="zh-CN" altLang="en-US" dirty="0"/>
+                        <a:t>字节</a:t>
+                      </a:r>
+                    </a:p>
+                  </a:txBody>
+                  <a:tcPr anchor="ctr"/>
+                </a:tc>
+                <a:tc>
+                  <a:txBody>
+                    <a:bodyPr/>
+                    <a:lstStyle/>
+                    <a:p>
+                      <a:pPr algn="ctr"/>
+                      <a:r>
+                        <a:rPr lang="en-US" altLang="zh-CN" dirty="0"/>
+                        <a:t>2</a:t>
+                      </a:r>
+                      <a:r>
+                        <a:rPr lang="zh-CN" altLang="en-US" dirty="0"/>
+                        <a:t>字节</a:t>
+                      </a:r>
+                    </a:p>
+                  </a:txBody>
+                  <a:tcPr anchor="ctr"/>
+                </a:tc>
+                <a:tc>
+                  <a:txBody>
+                    <a:bodyPr/>
+                    <a:lstStyle/>
+                    <a:p>
+                      <a:pPr algn="ctr"/>
+                      <a:r>
+                        <a:rPr lang="en-US" altLang="zh-CN" dirty="0"/>
+                        <a:t>46-1500</a:t>
+                      </a:r>
+                      <a:r>
+                        <a:rPr lang="zh-CN" altLang="en-US" dirty="0"/>
+                        <a:t>字节</a:t>
+                      </a:r>
+                    </a:p>
+                  </a:txBody>
+                  <a:tcPr anchor="ctr"/>
+                </a:tc>
+                <a:extLst>
+                  <a:ext uri="{0D108BD9-81ED-4DB2-BD59-A6C34878D82A}">
+                    <a16:rowId xmlns:a16="http://schemas.microsoft.com/office/drawing/2014/main" val="723157379"/>
+                  </a:ext>
+                </a:extLst>
+              </a:tr>
+              <a:tr h="464976">
+                <a:tc gridSpan="4">
+                  <a:txBody>
+                    <a:bodyPr/>
+                    <a:lstStyle/>
+                    <a:p>
+                      <a:pPr algn="ctr"/>
+                      <a:r>
+                        <a:rPr lang="en-US" altLang="zh-CN" dirty="0"/>
+                        <a:t>60-1514</a:t>
+                      </a:r>
+                      <a:r>
+                        <a:rPr lang="zh-CN" altLang="en-US" dirty="0"/>
+                        <a:t>字节</a:t>
+                      </a:r>
+                    </a:p>
+                  </a:txBody>
+                  <a:tcPr anchor="ctr"/>
+                </a:tc>
+                <a:tc hMerge="1">
+                  <a:txBody>
+                    <a:bodyPr/>
+                    <a:lstStyle/>
+                    <a:p>
+                      <a:endParaRPr lang="zh-CN" altLang="en-US" dirty="0"/>
+                    </a:p>
+                  </a:txBody>
+                  <a:tcPr/>
+                </a:tc>
+                <a:tc hMerge="1">
+                  <a:txBody>
+                    <a:bodyPr/>
+                    <a:lstStyle/>
+                    <a:p>
+                      <a:endParaRPr lang="zh-CN" altLang="en-US" dirty="0"/>
+                    </a:p>
+                  </a:txBody>
+                  <a:tcPr/>
+                </a:tc>
+                <a:tc hMerge="1">
+                  <a:txBody>
+                    <a:bodyPr/>
+                    <a:lstStyle/>
+                    <a:p>
+                      <a:pPr algn="ctr"/>
+                      <a:endParaRPr lang="zh-CN" altLang="en-US" dirty="0"/>
+                    </a:p>
+                  </a:txBody>
+                  <a:tcPr anchor="ctr"/>
+                </a:tc>
+                <a:extLst>
+                  <a:ext uri="{0D108BD9-81ED-4DB2-BD59-A6C34878D82A}">
+                    <a16:rowId xmlns:a16="http://schemas.microsoft.com/office/drawing/2014/main" val="2066161032"/>
+                  </a:ext>
+                </a:extLst>
+              </a:tr>
+            </a:tbl>
+          </a:graphicData>
+        </a:graphic>
+      </p:graphicFrame>
+      <p:cxnSp>
+        <p:nvCxnSpPr>
+          <p:cNvPr id="7" name="直线连接符 6">
+            <a:extLst>
+              <a:ext uri="{FF2B5EF4-FFF2-40B4-BE49-F238E27FC236}">
+                <a16:creationId xmlns:a16="http://schemas.microsoft.com/office/drawing/2014/main" id="{2C0D1F27-9BDF-7FFC-F0B7-C5662CBCF221}"/>
+              </a:ext>
+            </a:extLst>
+          </p:cNvPr>
+          <p:cNvCxnSpPr>
+            <a:cxnSpLocks/>
+          </p:cNvCxnSpPr>
+          <p:nvPr/>
+        </p:nvCxnSpPr>
+        <p:spPr>
+          <a:xfrm>
+            <a:off x="4820745" y="1600200"/>
+            <a:ext cx="1821355" cy="1521849"/>
+          </a:xfrm>
+          <a:prstGeom prst="line">
+            <a:avLst/>
+          </a:prstGeom>
+        </p:spPr>
+        <p:style>
+          <a:lnRef idx="1">
+            <a:schemeClr val="accent1"/>
+          </a:lnRef>
+          <a:fillRef idx="0">
+            <a:schemeClr val="accent1"/>
+          </a:fillRef>
+          <a:effectRef idx="0">
+            <a:schemeClr val="accent1"/>
+          </a:effectRef>
+          <a:fontRef idx="minor">
+            <a:schemeClr val="tx1"/>
+          </a:fontRef>
+        </p:style>
+      </p:cxnSp>
+      <p:cxnSp>
+        <p:nvCxnSpPr>
+          <p:cNvPr id="8" name="直线连接符 7">
+            <a:extLst>
+              <a:ext uri="{FF2B5EF4-FFF2-40B4-BE49-F238E27FC236}">
+                <a16:creationId xmlns:a16="http://schemas.microsoft.com/office/drawing/2014/main" id="{24FD770C-D6CE-F842-4CFE-EB3BC59EE4CA}"/>
+              </a:ext>
+            </a:extLst>
+          </p:cNvPr>
+          <p:cNvCxnSpPr>
+            <a:cxnSpLocks/>
+          </p:cNvCxnSpPr>
+          <p:nvPr/>
+        </p:nvCxnSpPr>
+        <p:spPr>
+          <a:xfrm flipH="1">
+            <a:off x="8953500" y="1600200"/>
+            <a:ext cx="2286000" cy="1521849"/>
+          </a:xfrm>
+          <a:prstGeom prst="line">
+            <a:avLst/>
+          </a:prstGeom>
+        </p:spPr>
+        <p:style>
+          <a:lnRef idx="1">
+            <a:schemeClr val="accent1"/>
+          </a:lnRef>
+          <a:fillRef idx="0">
+            <a:schemeClr val="accent1"/>
+          </a:fillRef>
+          <a:effectRef idx="0">
+            <a:schemeClr val="accent1"/>
+          </a:effectRef>
+          <a:fontRef idx="minor">
+            <a:schemeClr val="tx1"/>
+          </a:fontRef>
+        </p:style>
+      </p:cxnSp>
+    </p:spTree>
+    <p:extLst>
+      <p:ext uri="{BB962C8B-B14F-4D97-AF65-F5344CB8AC3E}">
+        <p14:creationId xmlns:p14="http://schemas.microsoft.com/office/powerpoint/2010/main" val="931304300"/>
+      </p:ext>
+    </p:extLst>
+  </p:cSld>
+  <p:clrMapOvr>
+    <a:masterClrMapping/>
+  </p:clrMapOvr>
+</p:sld>
+</file>
+
 <file path=ppt/theme/theme1.xml><?xml version="1.0" encoding="utf-8"?>
 <a:theme xmlns:a="http://schemas.openxmlformats.org/drawingml/2006/main" name="Office 主题​​">
   <a:themeElements>
